--- a/Slides/Stone USB - Widescreen.pptx
+++ b/Slides/Stone USB - Widescreen.pptx
@@ -5107,7 +5107,7 @@
             <a:pPr marL="0" indent="0" algn="ctr">
               <a:buNone/>
             </a:pPr>
-            <a:endParaRPr lang="en-US" u="sng" dirty="0" smtClean="0">
+            <a:endParaRPr lang="en-US" sz="4000" u="sng" dirty="0" smtClean="0">
               <a:hlinkClick r:id="rId3"/>
             </a:endParaRPr>
           </a:p>
@@ -5116,22 +5116,24 @@
               <a:buNone/>
             </a:pPr>
             <a:r>
-              <a:rPr lang="en-US" sz="4000" u="sng" dirty="0" smtClean="0">
+              <a:rPr lang="en-US" sz="5400" u="sng" dirty="0" smtClean="0">
                 <a:solidFill>
                   <a:schemeClr val="accent4"/>
                 </a:solidFill>
                 <a:hlinkClick r:id="rId3"/>
               </a:rPr>
-              <a:t>https://library.waikato.ac.nz/usb/tict-USB.zip</a:t>
-            </a:r>
-            <a:endParaRPr lang="en-US" sz="4000" u="sng" dirty="0" smtClean="0">
-              <a:solidFill>
-                <a:schemeClr val="accent4"/>
-              </a:solidFill>
-            </a:endParaRPr>
-          </a:p>
-          <a:p>
-            <a:endParaRPr lang="en-US" u="sng" dirty="0" smtClean="0"/>
+              <a:t>https://</a:t>
+            </a:r>
+            <a:r>
+              <a:rPr lang="en-US" sz="5400" u="sng" dirty="0" smtClean="0">
+                <a:solidFill>
+                  <a:schemeClr val="accent4"/>
+                </a:solidFill>
+                <a:hlinkClick r:id="rId3"/>
+              </a:rPr>
+              <a:t>library.waikato.ac.nz/usb</a:t>
+            </a:r>
+            <a:endParaRPr lang="en-US" sz="4000" u="sng" dirty="0" smtClean="0"/>
           </a:p>
           <a:p>
             <a:endParaRPr lang="en-NZ" dirty="0"/>

--- a/Slides/Stone USB - Widescreen.pptx
+++ b/Slides/Stone USB - Widescreen.pptx
@@ -226,7 +226,7 @@
           <a:p>
             <a:fld id="{20EA1060-EC34-4B21-B2CA-AE568AF2EAA1}" type="datetimeFigureOut">
               <a:rPr lang="en-NZ" smtClean="0"/>
-              <a:t>31/08/2017</a:t>
+              <a:t>1/09/2017</a:t>
             </a:fld>
             <a:endParaRPr lang="en-NZ"/>
           </a:p>
@@ -391,7 +391,7 @@
           <a:p>
             <a:fld id="{2BF5C513-E85A-40A7-AFD0-35FEFA73FC32}" type="datetimeFigureOut">
               <a:rPr lang="en-NZ" smtClean="0"/>
-              <a:t>31/08/2017</a:t>
+              <a:t>1/09/2017</a:t>
             </a:fld>
             <a:endParaRPr lang="en-NZ"/>
           </a:p>
@@ -5059,11 +5059,13 @@
         <p:spPr>
           <a:xfrm>
             <a:off x="595923" y="1460499"/>
-            <a:ext cx="10869935" cy="4351338"/>
+            <a:ext cx="10869935" cy="4725148"/>
           </a:xfrm>
         </p:spPr>
         <p:txBody>
-          <a:bodyPr/>
+          <a:bodyPr>
+            <a:normAutofit/>
+          </a:bodyPr>
           <a:lstStyle/>
           <a:p>
             <a:pPr marL="0" indent="0">
@@ -5071,23 +5073,7 @@
             </a:pPr>
             <a:r>
               <a:rPr lang="en-US" dirty="0" smtClean="0"/>
-              <a:t>A zip </a:t>
-            </a:r>
-            <a:r>
-              <a:rPr lang="en-US" dirty="0"/>
-              <a:t>file </a:t>
-            </a:r>
-            <a:r>
-              <a:rPr lang="en-US" dirty="0" smtClean="0"/>
-              <a:t>containing source code and instructions relative </a:t>
-            </a:r>
-            <a:r>
-              <a:rPr lang="en-US" dirty="0"/>
-              <a:t>to </a:t>
-            </a:r>
-            <a:r>
-              <a:rPr lang="en-US" dirty="0" smtClean="0"/>
-              <a:t>both </a:t>
+              <a:t>Source code and instructions for both </a:t>
             </a:r>
             <a:r>
               <a:rPr lang="en-US" dirty="0"/>
@@ -5095,45 +5081,91 @@
             </a:r>
             <a:r>
               <a:rPr lang="en-US" dirty="0" smtClean="0"/>
-              <a:t>is </a:t>
-            </a:r>
-            <a:r>
-              <a:rPr lang="en-US" dirty="0"/>
-              <a:t>available at:</a:t>
-            </a:r>
-            <a:endParaRPr lang="en-NZ" dirty="0"/>
-          </a:p>
-          <a:p>
-            <a:pPr marL="0" indent="0" algn="ctr">
-              <a:buNone/>
-            </a:pPr>
-            <a:endParaRPr lang="en-US" sz="4000" u="sng" dirty="0" smtClean="0">
-              <a:hlinkClick r:id="rId3"/>
-            </a:endParaRPr>
-          </a:p>
-          <a:p>
-            <a:pPr marL="0" indent="0" algn="ctr">
-              <a:buNone/>
-            </a:pPr>
-            <a:r>
-              <a:rPr lang="en-US" sz="5400" u="sng" dirty="0" smtClean="0">
+              <a:t>are on </a:t>
+            </a:r>
+            <a:r>
+              <a:rPr lang="en-US" dirty="0" smtClean="0">
                 <a:solidFill>
                   <a:schemeClr val="accent4"/>
                 </a:solidFill>
                 <a:hlinkClick r:id="rId3"/>
               </a:rPr>
-              <a:t>https://</a:t>
-            </a:r>
+              <a:t>GitHub</a:t>
+            </a:r>
+            <a:r>
+              <a:rPr lang="en-US" dirty="0" smtClean="0"/>
+              <a:t> and linked to from the API:</a:t>
+            </a:r>
+            <a:endParaRPr lang="en-NZ" dirty="0"/>
+          </a:p>
+          <a:p>
+            <a:pPr marL="0" indent="0" algn="ctr">
+              <a:buNone/>
+            </a:pPr>
+            <a:endParaRPr lang="en-US" sz="4000" u="sng" dirty="0" smtClean="0">
+              <a:hlinkClick r:id="rId4"/>
+            </a:endParaRPr>
+          </a:p>
+          <a:p>
+            <a:pPr marL="0" indent="0" algn="ctr">
+              <a:buNone/>
+            </a:pPr>
             <a:r>
               <a:rPr lang="en-US" sz="5400" u="sng" dirty="0" smtClean="0">
                 <a:solidFill>
                   <a:schemeClr val="accent4"/>
                 </a:solidFill>
-                <a:hlinkClick r:id="rId3"/>
+                <a:hlinkClick r:id="rId5"/>
               </a:rPr>
-              <a:t>library.waikato.ac.nz/usb</a:t>
-            </a:r>
-            <a:endParaRPr lang="en-US" sz="4000" u="sng" dirty="0" smtClean="0"/>
+              <a:t>https://library.waikato.ac.nz/usb</a:t>
+            </a:r>
+            <a:endParaRPr lang="en-US" sz="5400" u="sng" dirty="0" smtClean="0">
+              <a:solidFill>
+                <a:schemeClr val="accent4"/>
+              </a:solidFill>
+            </a:endParaRPr>
+          </a:p>
+          <a:p>
+            <a:pPr marL="0" indent="0">
+              <a:buNone/>
+            </a:pPr>
+            <a:endParaRPr lang="en-US" u="sng" dirty="0" smtClean="0"/>
+          </a:p>
+          <a:p>
+            <a:pPr marL="0" indent="0">
+              <a:buNone/>
+            </a:pPr>
+            <a:endParaRPr lang="en-US" sz="1600" dirty="0" smtClean="0"/>
+          </a:p>
+          <a:p>
+            <a:pPr marL="0" indent="0">
+              <a:buNone/>
+            </a:pPr>
+            <a:endParaRPr lang="en-US" sz="1600" b="1" dirty="0" smtClean="0"/>
+          </a:p>
+          <a:p>
+            <a:pPr marL="0" indent="0">
+              <a:buNone/>
+            </a:pPr>
+            <a:r>
+              <a:rPr lang="en-US" sz="1600" b="1" dirty="0" smtClean="0"/>
+              <a:t>Acknowledgement</a:t>
+            </a:r>
+          </a:p>
+          <a:p>
+            <a:pPr marL="0" indent="0">
+              <a:buNone/>
+            </a:pPr>
+            <a:r>
+              <a:rPr lang="en-US" sz="1600" dirty="0" smtClean="0"/>
+              <a:t>Library Systems Developer, Fred Young, provided significant feedback and contributed improvements to the look and “feel” of the USB API. </a:t>
+            </a:r>
+          </a:p>
+          <a:p>
+            <a:pPr marL="0" indent="0">
+              <a:buNone/>
+            </a:pPr>
+            <a:endParaRPr lang="en-US" sz="1800" u="sng" dirty="0" smtClean="0"/>
           </a:p>
           <a:p>
             <a:endParaRPr lang="en-NZ" dirty="0"/>

--- a/Slides/Stone USB - Widescreen.pptx
+++ b/Slides/Stone USB - Widescreen.pptx
@@ -5157,8 +5157,20 @@
               <a:buNone/>
             </a:pPr>
             <a:r>
-              <a:rPr lang="en-US" sz="1600" dirty="0" smtClean="0"/>
-              <a:t>Library Systems Developer, Fred Young, provided significant feedback and contributed improvements to the look and “feel” of the USB API. </a:t>
+              <a:rPr lang="en-US" sz="1600" dirty="0"/>
+              <a:t>Library Systems Developer, Fred Young who preformed peer review </a:t>
+            </a:r>
+            <a:r>
+              <a:rPr lang="en-US" sz="1600"/>
+              <a:t>and </a:t>
+            </a:r>
+            <a:r>
+              <a:rPr lang="en-US" sz="1600" smtClean="0"/>
+              <a:t>contributed </a:t>
+            </a:r>
+            <a:r>
+              <a:rPr lang="en-US" sz="1600" dirty="0"/>
+              <a:t>improvements to the look and “feel” of the USB API. </a:t>
             </a:r>
           </a:p>
           <a:p>

--- a/Slides/Stone USB - Widescreen.pptx
+++ b/Slides/Stone USB - Widescreen.pptx
@@ -226,7 +226,7 @@
           <a:p>
             <a:fld id="{20EA1060-EC34-4B21-B2CA-AE568AF2EAA1}" type="datetimeFigureOut">
               <a:rPr lang="en-NZ" smtClean="0"/>
-              <a:t>1/09/2017</a:t>
+              <a:t>4/09/2017</a:t>
             </a:fld>
             <a:endParaRPr lang="en-NZ"/>
           </a:p>
@@ -391,7 +391,7 @@
           <a:p>
             <a:fld id="{2BF5C513-E85A-40A7-AFD0-35FEFA73FC32}" type="datetimeFigureOut">
               <a:rPr lang="en-NZ" smtClean="0"/>
-              <a:t>1/09/2017</a:t>
+              <a:t>4/09/2017</a:t>
             </a:fld>
             <a:endParaRPr lang="en-NZ"/>
           </a:p>
@@ -5158,20 +5158,33 @@
             </a:pPr>
             <a:r>
               <a:rPr lang="en-US" sz="1600" dirty="0"/>
-              <a:t>Library Systems Developer, Fred Young who preformed peer review </a:t>
-            </a:r>
-            <a:r>
-              <a:rPr lang="en-US" sz="1600"/>
-              <a:t>and </a:t>
-            </a:r>
-            <a:r>
-              <a:rPr lang="en-US" sz="1600" smtClean="0"/>
-              <a:t>contributed </a:t>
+              <a:t>Library Systems Developer, Fred Young </a:t>
+            </a:r>
+            <a:r>
+              <a:rPr lang="en-US" sz="1600" dirty="0" smtClean="0"/>
+              <a:t>who peer reviewed, contributing improvement </a:t>
             </a:r>
             <a:r>
               <a:rPr lang="en-US" sz="1600" dirty="0"/>
-              <a:t>improvements to the look and “feel” of the USB API. </a:t>
-            </a:r>
+              <a:t>to the </a:t>
+            </a:r>
+            <a:r>
+              <a:rPr lang="en-US" sz="1600" dirty="0"/>
+              <a:t>database </a:t>
+            </a:r>
+            <a:r>
+              <a:rPr lang="en-US" sz="1600" dirty="0" smtClean="0"/>
+              <a:t>structure, file distribution and the look </a:t>
+            </a:r>
+            <a:r>
+              <a:rPr lang="en-US" sz="1600" dirty="0"/>
+              <a:t>and “feel” of the USB </a:t>
+            </a:r>
+            <a:r>
+              <a:rPr lang="en-US" sz="1600" dirty="0" smtClean="0"/>
+              <a:t>API. </a:t>
+            </a:r>
+            <a:endParaRPr lang="en-US" sz="1600" dirty="0"/>
           </a:p>
           <a:p>
             <a:pPr marL="0" indent="0">
@@ -5597,17 +5610,50 @@
           </a:p>
           <a:p>
             <a:r>
-              <a:rPr lang="en-NZ" b="1" dirty="0" err="1" smtClean="0"/>
+              <a:rPr lang="en-NZ" b="1" dirty="0" err="1" smtClean="0">
+                <a:solidFill>
+                  <a:schemeClr val="bg1">
+                    <a:lumMod val="75000"/>
+                  </a:schemeClr>
+                </a:solidFill>
+              </a:rPr>
               <a:t>MediaType</a:t>
             </a:r>
             <a:r>
-              <a:rPr lang="en-NZ" dirty="0" smtClean="0"/>
+              <a:rPr lang="en-NZ" dirty="0" smtClean="0">
+                <a:solidFill>
+                  <a:schemeClr val="bg1">
+                    <a:lumMod val="75000"/>
+                  </a:schemeClr>
+                </a:solidFill>
+              </a:rPr>
               <a:t> </a:t>
             </a:r>
             <a:r>
-              <a:rPr lang="en-NZ" dirty="0"/>
-              <a:t>is always “Removable Media”</a:t>
-            </a:r>
+              <a:rPr lang="en-NZ" dirty="0">
+                <a:solidFill>
+                  <a:schemeClr val="bg1">
+                    <a:lumMod val="75000"/>
+                  </a:schemeClr>
+                </a:solidFill>
+              </a:rPr>
+              <a:t>is always “Removable Media</a:t>
+            </a:r>
+            <a:r>
+              <a:rPr lang="en-NZ" dirty="0" smtClean="0">
+                <a:solidFill>
+                  <a:schemeClr val="bg1">
+                    <a:lumMod val="75000"/>
+                  </a:schemeClr>
+                </a:solidFill>
+              </a:rPr>
+              <a:t>” </a:t>
+            </a:r>
+            <a:r>
+              <a:rPr lang="en-NZ" dirty="0" smtClean="0"/>
+              <a:t>(so is not being used)</a:t>
+            </a:r>
+            <a:endParaRPr lang="en-NZ" dirty="0"/>
           </a:p>
           <a:p>
             <a:r>
@@ -5894,12 +5940,20 @@
               <a:t>If the device was not previously recorded on the PC, then the USB metadata together with the username, </a:t>
             </a:r>
             <a:r>
-              <a:rPr lang="en-NZ" dirty="0" err="1"/>
+              <a:rPr lang="en-NZ" dirty="0" err="1" smtClean="0"/>
               <a:t>computername</a:t>
             </a:r>
             <a:r>
               <a:rPr lang="en-NZ" dirty="0"/>
-              <a:t>. d</a:t>
+              <a:t>,</a:t>
+            </a:r>
+            <a:r>
+              <a:rPr lang="en-NZ" dirty="0" smtClean="0"/>
+              <a:t> </a:t>
+            </a:r>
+            <a:r>
+              <a:rPr lang="en-NZ" dirty="0"/>
+              <a:t>d</a:t>
             </a:r>
             <a:r>
               <a:rPr lang="en-NZ" dirty="0" smtClean="0"/>
@@ -6044,7 +6098,15 @@
             </a:r>
             <a:r>
               <a:rPr lang="en-NZ" dirty="0"/>
-              <a:t>will plug in the USB and run the script from a shortcut which calls PowerShell explicitly with two arguments: The first argument is the path to the script itself and the second argument is anything you want - say a "X" </a:t>
+              <a:t>will plug in the USB and run the script from a shortcut which calls PowerShell explicitly with two arguments: The first argument is the path to the script itself and the second argument is anything you want - say a </a:t>
+            </a:r>
+            <a:r>
+              <a:rPr lang="en-NZ" dirty="0" smtClean="0"/>
+              <a:t>“x"</a:t>
+            </a:r>
+            <a:r>
+              <a:rPr lang="en-NZ" dirty="0"/>
+              <a:t> </a:t>
             </a:r>
           </a:p>
           <a:p>
@@ -6269,14 +6331,14 @@
           <a:p>
             <a:r>
               <a:rPr lang="en-US" dirty="0"/>
-              <a:t>Single table MySQL or </a:t>
-            </a:r>
-            <a:r>
-              <a:rPr lang="en-US" b="1" dirty="0" err="1"/>
+              <a:t>Single table </a:t>
+            </a:r>
+            <a:r>
+              <a:rPr lang="en-US" b="1" dirty="0" err="1" smtClean="0"/>
               <a:t>MariaDB</a:t>
             </a:r>
             <a:r>
-              <a:rPr lang="en-US" dirty="0"/>
+              <a:rPr lang="en-US" dirty="0" smtClean="0"/>
               <a:t> </a:t>
             </a:r>
             <a:endParaRPr lang="en-NZ" dirty="0"/>
